--- a/fig-manual/lda-graphical-presentation.pptx
+++ b/fig-manual/lda-graphical-presentation.pptx
@@ -197,7 +197,7 @@
           <a:p>
             <a:fld id="{0B28A1F4-095D-C149-A1D1-DA513CD3C90E}" type="datetimeFigureOut">
               <a:rPr lang="en-JP" smtClean="0"/>
-              <a:t>10/14/23</a:t>
+              <a:t>12/22/23</a:t>
             </a:fld>
             <a:endParaRPr lang="en-JP"/>
           </a:p>
@@ -683,7 +683,7 @@
           <a:p>
             <a:fld id="{C9358B7C-F43E-BF41-94AD-ADB7A33E6CB3}" type="datetimeFigureOut">
               <a:rPr lang="en-JP" smtClean="0"/>
-              <a:t>10/14/23</a:t>
+              <a:t>12/22/23</a:t>
             </a:fld>
             <a:endParaRPr lang="en-JP"/>
           </a:p>
@@ -1451,7 +1451,7 @@
           <a:p>
             <a:fld id="{C9358B7C-F43E-BF41-94AD-ADB7A33E6CB3}" type="datetimeFigureOut">
               <a:rPr lang="en-JP" smtClean="0"/>
-              <a:t>10/14/23</a:t>
+              <a:t>12/22/23</a:t>
             </a:fld>
             <a:endParaRPr lang="en-JP"/>
           </a:p>
@@ -1631,7 +1631,7 @@
           <a:p>
             <a:fld id="{C9358B7C-F43E-BF41-94AD-ADB7A33E6CB3}" type="datetimeFigureOut">
               <a:rPr lang="en-JP" smtClean="0"/>
-              <a:t>10/14/23</a:t>
+              <a:t>12/22/23</a:t>
             </a:fld>
             <a:endParaRPr lang="en-JP"/>
           </a:p>
@@ -1801,7 +1801,7 @@
           <a:p>
             <a:fld id="{C9358B7C-F43E-BF41-94AD-ADB7A33E6CB3}" type="datetimeFigureOut">
               <a:rPr lang="en-JP" smtClean="0"/>
-              <a:t>10/14/23</a:t>
+              <a:t>12/22/23</a:t>
             </a:fld>
             <a:endParaRPr lang="en-JP"/>
           </a:p>
@@ -2045,7 +2045,7 @@
           <a:p>
             <a:fld id="{C9358B7C-F43E-BF41-94AD-ADB7A33E6CB3}" type="datetimeFigureOut">
               <a:rPr lang="en-JP" smtClean="0"/>
-              <a:t>10/14/23</a:t>
+              <a:t>12/22/23</a:t>
             </a:fld>
             <a:endParaRPr lang="en-JP"/>
           </a:p>
@@ -2277,7 +2277,7 @@
           <a:p>
             <a:fld id="{C9358B7C-F43E-BF41-94AD-ADB7A33E6CB3}" type="datetimeFigureOut">
               <a:rPr lang="en-JP" smtClean="0"/>
-              <a:t>10/14/23</a:t>
+              <a:t>12/22/23</a:t>
             </a:fld>
             <a:endParaRPr lang="en-JP"/>
           </a:p>
@@ -2644,7 +2644,7 @@
           <a:p>
             <a:fld id="{C9358B7C-F43E-BF41-94AD-ADB7A33E6CB3}" type="datetimeFigureOut">
               <a:rPr lang="en-JP" smtClean="0"/>
-              <a:t>10/14/23</a:t>
+              <a:t>12/22/23</a:t>
             </a:fld>
             <a:endParaRPr lang="en-JP"/>
           </a:p>
@@ -2762,7 +2762,7 @@
           <a:p>
             <a:fld id="{C9358B7C-F43E-BF41-94AD-ADB7A33E6CB3}" type="datetimeFigureOut">
               <a:rPr lang="en-JP" smtClean="0"/>
-              <a:t>10/14/23</a:t>
+              <a:t>12/22/23</a:t>
             </a:fld>
             <a:endParaRPr lang="en-JP"/>
           </a:p>
@@ -2857,7 +2857,7 @@
           <a:p>
             <a:fld id="{C9358B7C-F43E-BF41-94AD-ADB7A33E6CB3}" type="datetimeFigureOut">
               <a:rPr lang="en-JP" smtClean="0"/>
-              <a:t>10/14/23</a:t>
+              <a:t>12/22/23</a:t>
             </a:fld>
             <a:endParaRPr lang="en-JP"/>
           </a:p>
@@ -3134,7 +3134,7 @@
           <a:p>
             <a:fld id="{C9358B7C-F43E-BF41-94AD-ADB7A33E6CB3}" type="datetimeFigureOut">
               <a:rPr lang="en-JP" smtClean="0"/>
-              <a:t>10/14/23</a:t>
+              <a:t>12/22/23</a:t>
             </a:fld>
             <a:endParaRPr lang="en-JP"/>
           </a:p>
@@ -3391,7 +3391,7 @@
           <a:p>
             <a:fld id="{C9358B7C-F43E-BF41-94AD-ADB7A33E6CB3}" type="datetimeFigureOut">
               <a:rPr lang="en-JP" smtClean="0"/>
-              <a:t>10/14/23</a:t>
+              <a:t>12/22/23</a:t>
             </a:fld>
             <a:endParaRPr lang="en-JP"/>
           </a:p>
@@ -3604,7 +3604,7 @@
           <a:p>
             <a:fld id="{C9358B7C-F43E-BF41-94AD-ADB7A33E6CB3}" type="datetimeFigureOut">
               <a:rPr lang="en-JP" smtClean="0"/>
-              <a:t>10/14/23</a:t>
+              <a:t>12/22/23</a:t>
             </a:fld>
             <a:endParaRPr lang="en-JP"/>
           </a:p>
@@ -4024,13 +4024,13 @@
           <p:nvPr>
             <p:extLst>
               <p:ext uri="{D42A27DB-BD31-4B8C-83A1-F6EECF244321}">
-                <p14:modId xmlns:p14="http://schemas.microsoft.com/office/powerpoint/2010/main" val="276614751"/>
+                <p14:modId xmlns:p14="http://schemas.microsoft.com/office/powerpoint/2010/main" val="2943630507"/>
               </p:ext>
             </p:extLst>
           </p:nvPr>
         </p:nvGraphicFramePr>
         <p:xfrm>
-          <a:off x="1206753" y="3374886"/>
+          <a:off x="1206753" y="3311386"/>
           <a:ext cx="2198687" cy="1066800"/>
         </p:xfrm>
         <a:graphic>
@@ -5470,13 +5470,13 @@
           <p:nvPr>
             <p:extLst>
               <p:ext uri="{D42A27DB-BD31-4B8C-83A1-F6EECF244321}">
-                <p14:modId xmlns:p14="http://schemas.microsoft.com/office/powerpoint/2010/main" val="289962307"/>
+                <p14:modId xmlns:p14="http://schemas.microsoft.com/office/powerpoint/2010/main" val="693234633"/>
               </p:ext>
             </p:extLst>
           </p:nvPr>
         </p:nvGraphicFramePr>
         <p:xfrm>
-          <a:off x="3653588" y="3374886"/>
+          <a:off x="3653588" y="3311386"/>
           <a:ext cx="2070100" cy="1074030"/>
         </p:xfrm>
         <a:graphic>
@@ -11070,114 +11070,6 @@
           </a:p>
         </p:txBody>
       </p:sp>
-      <p:sp>
-        <p:nvSpPr>
-          <p:cNvPr id="14" name="Triangle 13">
-            <a:extLst>
-              <a:ext uri="{FF2B5EF4-FFF2-40B4-BE49-F238E27FC236}">
-                <a16:creationId xmlns:a16="http://schemas.microsoft.com/office/drawing/2014/main" id="{13328A48-10CB-0B7A-2F39-07673E4FB9F1}"/>
-              </a:ext>
-            </a:extLst>
-          </p:cNvPr>
-          <p:cNvSpPr/>
-          <p:nvPr/>
-        </p:nvSpPr>
-        <p:spPr>
-          <a:xfrm rot="10800000">
-            <a:off x="4616169" y="3090225"/>
-            <a:ext cx="1060704" cy="135920"/>
-          </a:xfrm>
-          <a:prstGeom prst="triangle">
-            <a:avLst/>
-          </a:prstGeom>
-          <a:solidFill>
-            <a:schemeClr val="bg1">
-              <a:lumMod val="85000"/>
-            </a:schemeClr>
-          </a:solidFill>
-          <a:ln>
-            <a:noFill/>
-          </a:ln>
-        </p:spPr>
-        <p:style>
-          <a:lnRef idx="2">
-            <a:schemeClr val="accent1">
-              <a:shade val="15000"/>
-            </a:schemeClr>
-          </a:lnRef>
-          <a:fillRef idx="1">
-            <a:schemeClr val="accent1"/>
-          </a:fillRef>
-          <a:effectRef idx="0">
-            <a:schemeClr val="accent1"/>
-          </a:effectRef>
-          <a:fontRef idx="minor">
-            <a:schemeClr val="lt1"/>
-          </a:fontRef>
-        </p:style>
-        <p:txBody>
-          <a:bodyPr rtlCol="0" anchor="ctr"/>
-          <a:lstStyle/>
-          <a:p>
-            <a:pPr algn="ctr"/>
-            <a:endParaRPr lang="en-JP"/>
-          </a:p>
-        </p:txBody>
-      </p:sp>
-      <p:sp>
-        <p:nvSpPr>
-          <p:cNvPr id="15" name="Triangle 14">
-            <a:extLst>
-              <a:ext uri="{FF2B5EF4-FFF2-40B4-BE49-F238E27FC236}">
-                <a16:creationId xmlns:a16="http://schemas.microsoft.com/office/drawing/2014/main" id="{81297F3C-E0A7-FDC7-DA23-219ACA4BEB3F}"/>
-              </a:ext>
-            </a:extLst>
-          </p:cNvPr>
-          <p:cNvSpPr/>
-          <p:nvPr/>
-        </p:nvSpPr>
-        <p:spPr>
-          <a:xfrm rot="10800000">
-            <a:off x="1181127" y="3133726"/>
-            <a:ext cx="1060704" cy="135920"/>
-          </a:xfrm>
-          <a:prstGeom prst="triangle">
-            <a:avLst/>
-          </a:prstGeom>
-          <a:solidFill>
-            <a:schemeClr val="bg1">
-              <a:lumMod val="85000"/>
-            </a:schemeClr>
-          </a:solidFill>
-          <a:ln>
-            <a:noFill/>
-          </a:ln>
-        </p:spPr>
-        <p:style>
-          <a:lnRef idx="2">
-            <a:schemeClr val="accent1">
-              <a:shade val="15000"/>
-            </a:schemeClr>
-          </a:lnRef>
-          <a:fillRef idx="1">
-            <a:schemeClr val="accent1"/>
-          </a:fillRef>
-          <a:effectRef idx="0">
-            <a:schemeClr val="accent1"/>
-          </a:effectRef>
-          <a:fontRef idx="minor">
-            <a:schemeClr val="lt1"/>
-          </a:fontRef>
-        </p:style>
-        <p:txBody>
-          <a:bodyPr rtlCol="0" anchor="ctr"/>
-          <a:lstStyle/>
-          <a:p>
-            <a:pPr algn="ctr"/>
-            <a:endParaRPr lang="en-JP"/>
-          </a:p>
-        </p:txBody>
-      </p:sp>
       <p:pic>
         <p:nvPicPr>
           <p:cNvPr id="12" name="Graphic 11">
@@ -11206,7 +11098,7 @@
         </p:blipFill>
         <p:spPr>
           <a:xfrm>
-            <a:off x="1922869" y="3646790"/>
+            <a:off x="1922869" y="3583290"/>
             <a:ext cx="152400" cy="101600"/>
           </a:xfrm>
           <a:prstGeom prst="rect">
@@ -11242,7 +11134,7 @@
         </p:blipFill>
         <p:spPr>
           <a:xfrm>
-            <a:off x="2343446" y="3646790"/>
+            <a:off x="2343446" y="3583290"/>
             <a:ext cx="152400" cy="101600"/>
           </a:xfrm>
           <a:prstGeom prst="rect">
@@ -11278,7 +11170,7 @@
         </p:blipFill>
         <p:spPr>
           <a:xfrm>
-            <a:off x="1922869" y="3864405"/>
+            <a:off x="1922869" y="3800905"/>
             <a:ext cx="152400" cy="101600"/>
           </a:xfrm>
           <a:prstGeom prst="rect">
@@ -11314,7 +11206,7 @@
         </p:blipFill>
         <p:spPr>
           <a:xfrm>
-            <a:off x="2343446" y="3864405"/>
+            <a:off x="2343446" y="3800905"/>
             <a:ext cx="152400" cy="101600"/>
           </a:xfrm>
           <a:prstGeom prst="rect">
@@ -11350,7 +11242,7 @@
         </p:blipFill>
         <p:spPr>
           <a:xfrm>
-            <a:off x="3113115" y="3646790"/>
+            <a:off x="3113115" y="3583290"/>
             <a:ext cx="152400" cy="101600"/>
           </a:xfrm>
           <a:prstGeom prst="rect">
@@ -11386,7 +11278,7 @@
         </p:blipFill>
         <p:spPr>
           <a:xfrm>
-            <a:off x="3113115" y="3864405"/>
+            <a:off x="3113115" y="3800905"/>
             <a:ext cx="152400" cy="101600"/>
           </a:xfrm>
           <a:prstGeom prst="rect">
@@ -11422,7 +11314,7 @@
         </p:blipFill>
         <p:spPr>
           <a:xfrm>
-            <a:off x="1922869" y="4288673"/>
+            <a:off x="1922869" y="4225173"/>
             <a:ext cx="152400" cy="101600"/>
           </a:xfrm>
           <a:prstGeom prst="rect">
@@ -11458,7 +11350,7 @@
         </p:blipFill>
         <p:spPr>
           <a:xfrm>
-            <a:off x="2343446" y="4288673"/>
+            <a:off x="2343446" y="4225173"/>
             <a:ext cx="152400" cy="101600"/>
           </a:xfrm>
           <a:prstGeom prst="rect">
@@ -11494,7 +11386,7 @@
         </p:blipFill>
         <p:spPr>
           <a:xfrm>
-            <a:off x="3106765" y="4288673"/>
+            <a:off x="3106765" y="4225173"/>
             <a:ext cx="165100" cy="101600"/>
           </a:xfrm>
           <a:prstGeom prst="rect">
@@ -11530,7 +11422,7 @@
         </p:blipFill>
         <p:spPr>
           <a:xfrm>
-            <a:off x="4211836" y="3640440"/>
+            <a:off x="4211836" y="3576940"/>
             <a:ext cx="177800" cy="114300"/>
           </a:xfrm>
           <a:prstGeom prst="rect">
@@ -11566,7 +11458,7 @@
         </p:blipFill>
         <p:spPr>
           <a:xfrm>
-            <a:off x="4649660" y="3640440"/>
+            <a:off x="4649660" y="3576940"/>
             <a:ext cx="177800" cy="114300"/>
           </a:xfrm>
           <a:prstGeom prst="rect">
@@ -11602,7 +11494,7 @@
         </p:blipFill>
         <p:spPr>
           <a:xfrm>
-            <a:off x="4211836" y="3858055"/>
+            <a:off x="4211836" y="3794555"/>
             <a:ext cx="177800" cy="114300"/>
           </a:xfrm>
           <a:prstGeom prst="rect">
@@ -11638,7 +11530,7 @@
         </p:blipFill>
         <p:spPr>
           <a:xfrm>
-            <a:off x="4649660" y="3858055"/>
+            <a:off x="4649660" y="3794555"/>
             <a:ext cx="177800" cy="114300"/>
           </a:xfrm>
           <a:prstGeom prst="rect">
@@ -11674,7 +11566,7 @@
         </p:blipFill>
         <p:spPr>
           <a:xfrm>
-            <a:off x="5409389" y="3640440"/>
+            <a:off x="5409389" y="3576940"/>
             <a:ext cx="177800" cy="114300"/>
           </a:xfrm>
           <a:prstGeom prst="rect">
@@ -11710,7 +11602,7 @@
         </p:blipFill>
         <p:spPr>
           <a:xfrm>
-            <a:off x="5409389" y="3858055"/>
+            <a:off x="5409389" y="3794555"/>
             <a:ext cx="177800" cy="114300"/>
           </a:xfrm>
           <a:prstGeom prst="rect">
@@ -11746,7 +11638,7 @@
         </p:blipFill>
         <p:spPr>
           <a:xfrm>
-            <a:off x="4211836" y="4282323"/>
+            <a:off x="4211836" y="4218823"/>
             <a:ext cx="177800" cy="114300"/>
           </a:xfrm>
           <a:prstGeom prst="rect">
@@ -11782,7 +11674,7 @@
         </p:blipFill>
         <p:spPr>
           <a:xfrm>
-            <a:off x="4649660" y="4282323"/>
+            <a:off x="4649660" y="4218823"/>
             <a:ext cx="177800" cy="114300"/>
           </a:xfrm>
           <a:prstGeom prst="rect">
@@ -11818,7 +11710,7 @@
         </p:blipFill>
         <p:spPr>
           <a:xfrm>
-            <a:off x="5409389" y="4282323"/>
+            <a:off x="5409389" y="4218823"/>
             <a:ext cx="177800" cy="114300"/>
           </a:xfrm>
           <a:prstGeom prst="rect">
@@ -18712,6 +18604,198 @@
           </p:txBody>
         </p:sp>
       </p:grpSp>
+      <p:sp>
+        <p:nvSpPr>
+          <p:cNvPr id="4" name="TextBox 3">
+            <a:extLst>
+              <a:ext uri="{FF2B5EF4-FFF2-40B4-BE49-F238E27FC236}">
+                <a16:creationId xmlns:a16="http://schemas.microsoft.com/office/drawing/2014/main" id="{7116F5EC-DCA7-AE68-89E4-B90E10FE8C44}"/>
+              </a:ext>
+            </a:extLst>
+          </p:cNvPr>
+          <p:cNvSpPr txBox="1"/>
+          <p:nvPr/>
+        </p:nvSpPr>
+        <p:spPr>
+          <a:xfrm>
+            <a:off x="1597408" y="3134279"/>
+            <a:ext cx="1417376" cy="215444"/>
+          </a:xfrm>
+          <a:prstGeom prst="rect">
+            <a:avLst/>
+          </a:prstGeom>
+          <a:noFill/>
+        </p:spPr>
+        <p:txBody>
+          <a:bodyPr wrap="none" rtlCol="0">
+            <a:spAutoFit/>
+          </a:bodyPr>
+          <a:lstStyle/>
+          <a:p>
+            <a:pPr algn="ctr"/>
+            <a:r>
+              <a:rPr lang="en-GB" sz="800" dirty="0">
+                <a:effectLst/>
+                <a:latin typeface="Helvetica" pitchFamily="2" charset="0"/>
+              </a:rPr>
+              <a:t>document-topic distribution</a:t>
+            </a:r>
+            <a:endParaRPr lang="en-GB" sz="800" dirty="0">
+              <a:latin typeface="Helvetica" pitchFamily="2" charset="0"/>
+            </a:endParaRPr>
+          </a:p>
+        </p:txBody>
+      </p:sp>
+      <p:sp>
+        <p:nvSpPr>
+          <p:cNvPr id="6" name="TextBox 5">
+            <a:extLst>
+              <a:ext uri="{FF2B5EF4-FFF2-40B4-BE49-F238E27FC236}">
+                <a16:creationId xmlns:a16="http://schemas.microsoft.com/office/drawing/2014/main" id="{0C3E2064-109A-BBAA-8B17-BDD73877FB15}"/>
+              </a:ext>
+            </a:extLst>
+          </p:cNvPr>
+          <p:cNvSpPr txBox="1"/>
+          <p:nvPr/>
+        </p:nvSpPr>
+        <p:spPr>
+          <a:xfrm>
+            <a:off x="4104183" y="3134761"/>
+            <a:ext cx="1168911" cy="215444"/>
+          </a:xfrm>
+          <a:prstGeom prst="rect">
+            <a:avLst/>
+          </a:prstGeom>
+          <a:noFill/>
+        </p:spPr>
+        <p:txBody>
+          <a:bodyPr wrap="none" rtlCol="0">
+            <a:spAutoFit/>
+          </a:bodyPr>
+          <a:lstStyle/>
+          <a:p>
+            <a:pPr algn="ctr"/>
+            <a:r>
+              <a:rPr lang="en-GB" sz="800" dirty="0">
+                <a:effectLst/>
+                <a:latin typeface="Helvetica" pitchFamily="2" charset="0"/>
+              </a:rPr>
+              <a:t>topic-term distribution</a:t>
+            </a:r>
+            <a:endParaRPr lang="en-GB" sz="800" dirty="0">
+              <a:latin typeface="Helvetica" pitchFamily="2" charset="0"/>
+            </a:endParaRPr>
+          </a:p>
+        </p:txBody>
+      </p:sp>
+      <p:sp>
+        <p:nvSpPr>
+          <p:cNvPr id="7" name="Down Arrow 6">
+            <a:extLst>
+              <a:ext uri="{FF2B5EF4-FFF2-40B4-BE49-F238E27FC236}">
+                <a16:creationId xmlns:a16="http://schemas.microsoft.com/office/drawing/2014/main" id="{98FCDB57-5D7A-920E-9711-77B8BB6A12B3}"/>
+              </a:ext>
+            </a:extLst>
+          </p:cNvPr>
+          <p:cNvSpPr/>
+          <p:nvPr/>
+        </p:nvSpPr>
+        <p:spPr>
+          <a:xfrm>
+            <a:off x="1325869" y="3060948"/>
+            <a:ext cx="364112" cy="199306"/>
+          </a:xfrm>
+          <a:prstGeom prst="downArrow">
+            <a:avLst/>
+          </a:prstGeom>
+          <a:solidFill>
+            <a:schemeClr val="bg1">
+              <a:lumMod val="75000"/>
+            </a:schemeClr>
+          </a:solidFill>
+          <a:ln>
+            <a:noFill/>
+          </a:ln>
+        </p:spPr>
+        <p:style>
+          <a:lnRef idx="2">
+            <a:schemeClr val="accent1">
+              <a:shade val="15000"/>
+            </a:schemeClr>
+          </a:lnRef>
+          <a:fillRef idx="1">
+            <a:schemeClr val="accent1"/>
+          </a:fillRef>
+          <a:effectRef idx="0">
+            <a:schemeClr val="accent1"/>
+          </a:effectRef>
+          <a:fontRef idx="minor">
+            <a:schemeClr val="lt1"/>
+          </a:fontRef>
+        </p:style>
+        <p:txBody>
+          <a:bodyPr rtlCol="0" anchor="ctr"/>
+          <a:lstStyle/>
+          <a:p>
+            <a:pPr algn="ctr"/>
+            <a:endParaRPr lang="en-US"/>
+          </a:p>
+        </p:txBody>
+      </p:sp>
+      <p:sp>
+        <p:nvSpPr>
+          <p:cNvPr id="9" name="Down Arrow 8">
+            <a:extLst>
+              <a:ext uri="{FF2B5EF4-FFF2-40B4-BE49-F238E27FC236}">
+                <a16:creationId xmlns:a16="http://schemas.microsoft.com/office/drawing/2014/main" id="{77AF3B9D-6BFB-3CAF-7B09-47213A8820B5}"/>
+              </a:ext>
+            </a:extLst>
+          </p:cNvPr>
+          <p:cNvSpPr/>
+          <p:nvPr/>
+        </p:nvSpPr>
+        <p:spPr>
+          <a:xfrm>
+            <a:off x="5263366" y="3060948"/>
+            <a:ext cx="364112" cy="199306"/>
+          </a:xfrm>
+          <a:prstGeom prst="downArrow">
+            <a:avLst/>
+          </a:prstGeom>
+          <a:solidFill>
+            <a:schemeClr val="bg1">
+              <a:lumMod val="75000"/>
+            </a:schemeClr>
+          </a:solidFill>
+          <a:ln>
+            <a:noFill/>
+          </a:ln>
+        </p:spPr>
+        <p:style>
+          <a:lnRef idx="2">
+            <a:schemeClr val="accent1">
+              <a:shade val="15000"/>
+            </a:schemeClr>
+          </a:lnRef>
+          <a:fillRef idx="1">
+            <a:schemeClr val="accent1"/>
+          </a:fillRef>
+          <a:effectRef idx="0">
+            <a:schemeClr val="accent1"/>
+          </a:effectRef>
+          <a:fontRef idx="minor">
+            <a:schemeClr val="lt1"/>
+          </a:fontRef>
+        </p:style>
+        <p:txBody>
+          <a:bodyPr rtlCol="0" anchor="ctr"/>
+          <a:lstStyle/>
+          <a:p>
+            <a:pPr algn="ctr"/>
+            <a:endParaRPr lang="en-US"/>
+          </a:p>
+        </p:txBody>
+      </p:sp>
     </p:spTree>
     <p:extLst>
       <p:ext uri="{BB962C8B-B14F-4D97-AF65-F5344CB8AC3E}">
